--- a/1 Oct 2016.pptx
+++ b/1 Oct 2016.pptx
@@ -9,6 +9,8 @@
     <p:sldId id="257" r:id="rId3"/>
     <p:sldId id="258" r:id="rId4"/>
     <p:sldId id="259" r:id="rId5"/>
+    <p:sldId id="261" r:id="rId6"/>
+    <p:sldId id="260" r:id="rId7"/>
   </p:sldIdLst>
   <p:sldSz cx="12192000" cy="6858000"/>
   <p:notesSz cx="6858000" cy="9144000"/>
@@ -241,7 +243,7 @@
           <a:p>
             <a:fld id="{49305C56-C691-3C4D-973F-59CC3BB28CEB}" type="datetimeFigureOut">
               <a:rPr lang="en-US" smtClean="0"/>
-              <a:t>9/24/16</a:t>
+              <a:t>9/27/2016</a:t>
             </a:fld>
             <a:endParaRPr lang="en-US"/>
           </a:p>
@@ -411,7 +413,7 @@
           <a:p>
             <a:fld id="{49305C56-C691-3C4D-973F-59CC3BB28CEB}" type="datetimeFigureOut">
               <a:rPr lang="en-US" smtClean="0"/>
-              <a:t>9/24/16</a:t>
+              <a:t>9/27/2016</a:t>
             </a:fld>
             <a:endParaRPr lang="en-US"/>
           </a:p>
@@ -591,7 +593,7 @@
           <a:p>
             <a:fld id="{49305C56-C691-3C4D-973F-59CC3BB28CEB}" type="datetimeFigureOut">
               <a:rPr lang="en-US" smtClean="0"/>
-              <a:t>9/24/16</a:t>
+              <a:t>9/27/2016</a:t>
             </a:fld>
             <a:endParaRPr lang="en-US"/>
           </a:p>
@@ -761,7 +763,7 @@
           <a:p>
             <a:fld id="{49305C56-C691-3C4D-973F-59CC3BB28CEB}" type="datetimeFigureOut">
               <a:rPr lang="en-US" smtClean="0"/>
-              <a:t>9/24/16</a:t>
+              <a:t>9/27/2016</a:t>
             </a:fld>
             <a:endParaRPr lang="en-US"/>
           </a:p>
@@ -1007,7 +1009,7 @@
           <a:p>
             <a:fld id="{49305C56-C691-3C4D-973F-59CC3BB28CEB}" type="datetimeFigureOut">
               <a:rPr lang="en-US" smtClean="0"/>
-              <a:t>9/24/16</a:t>
+              <a:t>9/27/2016</a:t>
             </a:fld>
             <a:endParaRPr lang="en-US"/>
           </a:p>
@@ -1239,7 +1241,7 @@
           <a:p>
             <a:fld id="{49305C56-C691-3C4D-973F-59CC3BB28CEB}" type="datetimeFigureOut">
               <a:rPr lang="en-US" smtClean="0"/>
-              <a:t>9/24/16</a:t>
+              <a:t>9/27/2016</a:t>
             </a:fld>
             <a:endParaRPr lang="en-US"/>
           </a:p>
@@ -1606,7 +1608,7 @@
           <a:p>
             <a:fld id="{49305C56-C691-3C4D-973F-59CC3BB28CEB}" type="datetimeFigureOut">
               <a:rPr lang="en-US" smtClean="0"/>
-              <a:t>9/24/16</a:t>
+              <a:t>9/27/2016</a:t>
             </a:fld>
             <a:endParaRPr lang="en-US"/>
           </a:p>
@@ -1724,7 +1726,7 @@
           <a:p>
             <a:fld id="{49305C56-C691-3C4D-973F-59CC3BB28CEB}" type="datetimeFigureOut">
               <a:rPr lang="en-US" smtClean="0"/>
-              <a:t>9/24/16</a:t>
+              <a:t>9/27/2016</a:t>
             </a:fld>
             <a:endParaRPr lang="en-US"/>
           </a:p>
@@ -1819,7 +1821,7 @@
           <a:p>
             <a:fld id="{49305C56-C691-3C4D-973F-59CC3BB28CEB}" type="datetimeFigureOut">
               <a:rPr lang="en-US" smtClean="0"/>
-              <a:t>9/24/16</a:t>
+              <a:t>9/27/2016</a:t>
             </a:fld>
             <a:endParaRPr lang="en-US"/>
           </a:p>
@@ -2096,7 +2098,7 @@
           <a:p>
             <a:fld id="{49305C56-C691-3C4D-973F-59CC3BB28CEB}" type="datetimeFigureOut">
               <a:rPr lang="en-US" smtClean="0"/>
-              <a:t>9/24/16</a:t>
+              <a:t>9/27/2016</a:t>
             </a:fld>
             <a:endParaRPr lang="en-US"/>
           </a:p>
@@ -2349,7 +2351,7 @@
           <a:p>
             <a:fld id="{49305C56-C691-3C4D-973F-59CC3BB28CEB}" type="datetimeFigureOut">
               <a:rPr lang="en-US" smtClean="0"/>
-              <a:t>9/24/16</a:t>
+              <a:t>9/27/2016</a:t>
             </a:fld>
             <a:endParaRPr lang="en-US"/>
           </a:p>
@@ -2562,7 +2564,7 @@
           <a:p>
             <a:fld id="{49305C56-C691-3C4D-973F-59CC3BB28CEB}" type="datetimeFigureOut">
               <a:rPr lang="en-US" smtClean="0"/>
-              <a:t>9/24/16</a:t>
+              <a:t>9/27/2016</a:t>
             </a:fld>
             <a:endParaRPr lang="en-US"/>
           </a:p>
@@ -3298,6 +3300,162 @@
 </p:sld>
 </file>
 
+<file path=ppt/slides/slide5.xml><?xml version="1.0" encoding="utf-8"?>
+<p:sld xmlns:a="http://schemas.openxmlformats.org/drawingml/2006/main" xmlns:r="http://schemas.openxmlformats.org/officeDocument/2006/relationships" xmlns:p="http://schemas.openxmlformats.org/presentationml/2006/main">
+  <p:cSld>
+    <p:spTree>
+      <p:nvGrpSpPr>
+        <p:cNvPr id="1" name=""/>
+        <p:cNvGrpSpPr/>
+        <p:nvPr/>
+      </p:nvGrpSpPr>
+      <p:grpSpPr>
+        <a:xfrm>
+          <a:off x="0" y="0"/>
+          <a:ext cx="0" cy="0"/>
+          <a:chOff x="0" y="0"/>
+          <a:chExt cx="0" cy="0"/>
+        </a:xfrm>
+      </p:grpSpPr>
+      <p:sp>
+        <p:nvSpPr>
+          <p:cNvPr id="2" name="Title 1"/>
+          <p:cNvSpPr>
+            <a:spLocks noGrp="1"/>
+          </p:cNvSpPr>
+          <p:nvPr>
+            <p:ph type="title"/>
+          </p:nvPr>
+        </p:nvSpPr>
+        <p:spPr/>
+        <p:txBody>
+          <a:bodyPr/>
+          <a:lstStyle/>
+          <a:p>
+            <a:endParaRPr lang="en-US"/>
+          </a:p>
+        </p:txBody>
+      </p:sp>
+      <p:pic>
+        <p:nvPicPr>
+          <p:cNvPr id="4" name="Content Placeholder 3"/>
+          <p:cNvPicPr>
+            <a:picLocks noGrp="1" noChangeAspect="1"/>
+          </p:cNvPicPr>
+          <p:nvPr>
+            <p:ph idx="1"/>
+          </p:nvPr>
+        </p:nvPicPr>
+        <p:blipFill>
+          <a:blip r:embed="rId2">
+            <a:extLst>
+              <a:ext uri="{28A0092B-C50C-407E-A947-70E740481C1C}">
+                <a14:useLocalDpi xmlns:a14="http://schemas.microsoft.com/office/drawing/2010/main" val="0"/>
+              </a:ext>
+            </a:extLst>
+          </a:blip>
+          <a:stretch>
+            <a:fillRect/>
+          </a:stretch>
+        </p:blipFill>
+        <p:spPr>
+          <a:xfrm>
+            <a:off x="3036270" y="1825625"/>
+            <a:ext cx="6119460" cy="4351338"/>
+          </a:xfrm>
+        </p:spPr>
+      </p:pic>
+    </p:spTree>
+    <p:extLst>
+      <p:ext uri="{BB962C8B-B14F-4D97-AF65-F5344CB8AC3E}">
+        <p14:creationId xmlns:p14="http://schemas.microsoft.com/office/powerpoint/2010/main" val="2060805425"/>
+      </p:ext>
+    </p:extLst>
+  </p:cSld>
+  <p:clrMapOvr>
+    <a:masterClrMapping/>
+  </p:clrMapOvr>
+</p:sld>
+</file>
+
+<file path=ppt/slides/slide6.xml><?xml version="1.0" encoding="utf-8"?>
+<p:sld xmlns:a="http://schemas.openxmlformats.org/drawingml/2006/main" xmlns:r="http://schemas.openxmlformats.org/officeDocument/2006/relationships" xmlns:p="http://schemas.openxmlformats.org/presentationml/2006/main">
+  <p:cSld>
+    <p:spTree>
+      <p:nvGrpSpPr>
+        <p:cNvPr id="1" name=""/>
+        <p:cNvGrpSpPr/>
+        <p:nvPr/>
+      </p:nvGrpSpPr>
+      <p:grpSpPr>
+        <a:xfrm>
+          <a:off x="0" y="0"/>
+          <a:ext cx="0" cy="0"/>
+          <a:chOff x="0" y="0"/>
+          <a:chExt cx="0" cy="0"/>
+        </a:xfrm>
+      </p:grpSpPr>
+      <p:sp>
+        <p:nvSpPr>
+          <p:cNvPr id="2" name="Title 1"/>
+          <p:cNvSpPr>
+            <a:spLocks noGrp="1"/>
+          </p:cNvSpPr>
+          <p:nvPr>
+            <p:ph type="title"/>
+          </p:nvPr>
+        </p:nvSpPr>
+        <p:spPr/>
+        <p:txBody>
+          <a:bodyPr/>
+          <a:lstStyle/>
+          <a:p>
+            <a:endParaRPr lang="en-US"/>
+          </a:p>
+        </p:txBody>
+      </p:sp>
+      <p:pic>
+        <p:nvPicPr>
+          <p:cNvPr id="4" name="Content Placeholder 3"/>
+          <p:cNvPicPr>
+            <a:picLocks noGrp="1" noChangeAspect="1"/>
+          </p:cNvPicPr>
+          <p:nvPr>
+            <p:ph idx="1"/>
+          </p:nvPr>
+        </p:nvPicPr>
+        <p:blipFill>
+          <a:blip r:embed="rId2">
+            <a:extLst>
+              <a:ext uri="{28A0092B-C50C-407E-A947-70E740481C1C}">
+                <a14:useLocalDpi xmlns:a14="http://schemas.microsoft.com/office/drawing/2010/main" val="0"/>
+              </a:ext>
+            </a:extLst>
+          </a:blip>
+          <a:stretch>
+            <a:fillRect/>
+          </a:stretch>
+        </p:blipFill>
+        <p:spPr>
+          <a:xfrm>
+            <a:off x="2227591" y="1825625"/>
+            <a:ext cx="7736818" cy="4351338"/>
+          </a:xfrm>
+        </p:spPr>
+      </p:pic>
+    </p:spTree>
+    <p:extLst>
+      <p:ext uri="{BB962C8B-B14F-4D97-AF65-F5344CB8AC3E}">
+        <p14:creationId xmlns:p14="http://schemas.microsoft.com/office/powerpoint/2010/main" val="2255279764"/>
+      </p:ext>
+    </p:extLst>
+  </p:cSld>
+  <p:clrMapOvr>
+    <a:masterClrMapping/>
+  </p:clrMapOvr>
+</p:sld>
+</file>
+
 <file path=ppt/theme/theme1.xml><?xml version="1.0" encoding="utf-8"?>
 <a:theme xmlns:a="http://schemas.openxmlformats.org/drawingml/2006/main" name="Office Theme">
   <a:themeElements>
@@ -3553,7 +3711,7 @@
   <a:extraClrSchemeLst/>
   <a:extLst>
     <a:ext uri="{05A4C25C-085E-4340-85A3-A5531E510DB2}">
-      <thm15:themeFamily xmlns:thm15="http://schemas.microsoft.com/office/thememl/2012/main" name="Office Theme" id="{62F939B6-93AF-4DB8-9C6B-D6C7DFDC589F}" vid="{4A3C46E8-61CC-4603-A589-7422A47A8E4A}"/>
+      <thm15:themeFamily xmlns:thm15="http://schemas.microsoft.com/office/thememl/2012/main" xmlns="" name="Office Theme" id="{62F939B6-93AF-4DB8-9C6B-D6C7DFDC589F}" vid="{4A3C46E8-61CC-4603-A589-7422A47A8E4A}"/>
     </a:ext>
   </a:extLst>
 </a:theme>

--- a/1 Oct 2016.pptx
+++ b/1 Oct 2016.pptx
@@ -109,6 +109,22 @@
       </a:defRPr>
     </a:lvl9pPr>
   </p:defaultTextStyle>
+  <p:extLst>
+    <p:ext uri="{EFAFB233-063F-42B5-8137-9DF3F51BA10A}">
+      <p15:sldGuideLst xmlns:p15="http://schemas.microsoft.com/office/powerpoint/2012/main">
+        <p15:guide id="1" orient="horz" pos="2160">
+          <p15:clr>
+            <a:srgbClr val="A4A3A4"/>
+          </p15:clr>
+        </p15:guide>
+        <p15:guide id="2" pos="3840">
+          <p15:clr>
+            <a:srgbClr val="A4A3A4"/>
+          </p15:clr>
+        </p15:guide>
+      </p15:sldGuideLst>
+    </p:ext>
+  </p:extLst>
 </p:presentation>
 </file>
 
@@ -2984,7 +3000,11 @@
           <a:bodyPr/>
           <a:lstStyle/>
           <a:p>
-            <a:endParaRPr lang="en-US"/>
+            <a:r>
+              <a:rPr lang="en-SG" dirty="0"/>
+              <a:t>OBJECT ORIENTED DESIGN PATTERNS</a:t>
+            </a:r>
+            <a:endParaRPr lang="en-US" dirty="0"/>
           </a:p>
         </p:txBody>
       </p:sp>
@@ -3003,7 +3023,21 @@
           <a:bodyPr/>
           <a:lstStyle/>
           <a:p>
-            <a:endParaRPr lang="en-US"/>
+            <a:r>
+              <a:rPr lang="en-SG" dirty="0"/>
+              <a:t>Team </a:t>
+            </a:r>
+            <a:r>
+              <a:rPr lang="en-SG" dirty="0" smtClean="0"/>
+              <a:t>PT02</a:t>
+            </a:r>
+          </a:p>
+          <a:p>
+            <a:r>
+              <a:rPr lang="en-SG" dirty="0" smtClean="0"/>
+              <a:t>1 Oct 2016</a:t>
+            </a:r>
+            <a:endParaRPr lang="en-US" dirty="0"/>
           </a:p>
         </p:txBody>
       </p:sp>
@@ -3711,7 +3745,7 @@
   <a:extraClrSchemeLst/>
   <a:extLst>
     <a:ext uri="{05A4C25C-085E-4340-85A3-A5531E510DB2}">
-      <thm15:themeFamily xmlns:thm15="http://schemas.microsoft.com/office/thememl/2012/main" xmlns="" name="Office Theme" id="{62F939B6-93AF-4DB8-9C6B-D6C7DFDC589F}" vid="{4A3C46E8-61CC-4603-A589-7422A47A8E4A}"/>
+      <thm15:themeFamily xmlns:thm15="http://schemas.microsoft.com/office/thememl/2012/main" name="Office Theme" id="{62F939B6-93AF-4DB8-9C6B-D6C7DFDC589F}" vid="{4A3C46E8-61CC-4603-A589-7422A47A8E4A}"/>
     </a:ext>
   </a:extLst>
 </a:theme>

--- a/1 Oct 2016.pptx
+++ b/1 Oct 2016.pptx
@@ -259,7 +259,7 @@
           <a:p>
             <a:fld id="{49305C56-C691-3C4D-973F-59CC3BB28CEB}" type="datetimeFigureOut">
               <a:rPr lang="en-US" smtClean="0"/>
-              <a:t>9/27/2016</a:t>
+              <a:t>9/29/16</a:t>
             </a:fld>
             <a:endParaRPr lang="en-US"/>
           </a:p>
@@ -429,7 +429,7 @@
           <a:p>
             <a:fld id="{49305C56-C691-3C4D-973F-59CC3BB28CEB}" type="datetimeFigureOut">
               <a:rPr lang="en-US" smtClean="0"/>
-              <a:t>9/27/2016</a:t>
+              <a:t>9/29/16</a:t>
             </a:fld>
             <a:endParaRPr lang="en-US"/>
           </a:p>
@@ -609,7 +609,7 @@
           <a:p>
             <a:fld id="{49305C56-C691-3C4D-973F-59CC3BB28CEB}" type="datetimeFigureOut">
               <a:rPr lang="en-US" smtClean="0"/>
-              <a:t>9/27/2016</a:t>
+              <a:t>9/29/16</a:t>
             </a:fld>
             <a:endParaRPr lang="en-US"/>
           </a:p>
@@ -779,7 +779,7 @@
           <a:p>
             <a:fld id="{49305C56-C691-3C4D-973F-59CC3BB28CEB}" type="datetimeFigureOut">
               <a:rPr lang="en-US" smtClean="0"/>
-              <a:t>9/27/2016</a:t>
+              <a:t>9/29/16</a:t>
             </a:fld>
             <a:endParaRPr lang="en-US"/>
           </a:p>
@@ -1025,7 +1025,7 @@
           <a:p>
             <a:fld id="{49305C56-C691-3C4D-973F-59CC3BB28CEB}" type="datetimeFigureOut">
               <a:rPr lang="en-US" smtClean="0"/>
-              <a:t>9/27/2016</a:t>
+              <a:t>9/29/16</a:t>
             </a:fld>
             <a:endParaRPr lang="en-US"/>
           </a:p>
@@ -1257,7 +1257,7 @@
           <a:p>
             <a:fld id="{49305C56-C691-3C4D-973F-59CC3BB28CEB}" type="datetimeFigureOut">
               <a:rPr lang="en-US" smtClean="0"/>
-              <a:t>9/27/2016</a:t>
+              <a:t>9/29/16</a:t>
             </a:fld>
             <a:endParaRPr lang="en-US"/>
           </a:p>
@@ -1624,7 +1624,7 @@
           <a:p>
             <a:fld id="{49305C56-C691-3C4D-973F-59CC3BB28CEB}" type="datetimeFigureOut">
               <a:rPr lang="en-US" smtClean="0"/>
-              <a:t>9/27/2016</a:t>
+              <a:t>9/29/16</a:t>
             </a:fld>
             <a:endParaRPr lang="en-US"/>
           </a:p>
@@ -1742,7 +1742,7 @@
           <a:p>
             <a:fld id="{49305C56-C691-3C4D-973F-59CC3BB28CEB}" type="datetimeFigureOut">
               <a:rPr lang="en-US" smtClean="0"/>
-              <a:t>9/27/2016</a:t>
+              <a:t>9/29/16</a:t>
             </a:fld>
             <a:endParaRPr lang="en-US"/>
           </a:p>
@@ -1837,7 +1837,7 @@
           <a:p>
             <a:fld id="{49305C56-C691-3C4D-973F-59CC3BB28CEB}" type="datetimeFigureOut">
               <a:rPr lang="en-US" smtClean="0"/>
-              <a:t>9/27/2016</a:t>
+              <a:t>9/29/16</a:t>
             </a:fld>
             <a:endParaRPr lang="en-US"/>
           </a:p>
@@ -2114,7 +2114,7 @@
           <a:p>
             <a:fld id="{49305C56-C691-3C4D-973F-59CC3BB28CEB}" type="datetimeFigureOut">
               <a:rPr lang="en-US" smtClean="0"/>
-              <a:t>9/27/2016</a:t>
+              <a:t>9/29/16</a:t>
             </a:fld>
             <a:endParaRPr lang="en-US"/>
           </a:p>
@@ -2367,7 +2367,7 @@
           <a:p>
             <a:fld id="{49305C56-C691-3C4D-973F-59CC3BB28CEB}" type="datetimeFigureOut">
               <a:rPr lang="en-US" smtClean="0"/>
-              <a:t>9/27/2016</a:t>
+              <a:t>9/29/16</a:t>
             </a:fld>
             <a:endParaRPr lang="en-US"/>
           </a:p>
@@ -2580,7 +2580,7 @@
           <a:p>
             <a:fld id="{49305C56-C691-3C4D-973F-59CC3BB28CEB}" type="datetimeFigureOut">
               <a:rPr lang="en-US" smtClean="0"/>
-              <a:t>9/27/2016</a:t>
+              <a:t>9/29/16</a:t>
             </a:fld>
             <a:endParaRPr lang="en-US"/>
           </a:p>
@@ -3304,18 +3304,25 @@
             </a:r>
             <a:r>
               <a:rPr lang="en-US" dirty="0" smtClean="0"/>
-              <a:t>no </a:t>
-            </a:r>
-            <a:r>
-              <a:rPr lang="en-US" smtClean="0"/>
-              <a:t>other class need to change.</a:t>
-            </a:r>
-            <a:endParaRPr lang="en-US" dirty="0" smtClean="0"/>
+              <a:t>no other class need to change.</a:t>
+            </a:r>
           </a:p>
           <a:p>
             <a:r>
               <a:rPr lang="en-US" dirty="0" smtClean="0"/>
-              <a:t>Singleton to ensure only 1 instance of coin is returned.</a:t>
+              <a:t>Singleton to ensure only 1 instance of </a:t>
+            </a:r>
+            <a:r>
+              <a:rPr lang="en-US" dirty="0" err="1" smtClean="0"/>
+              <a:t>CoinReceiver</a:t>
+            </a:r>
+            <a:r>
+              <a:rPr lang="en-US" dirty="0" smtClean="0"/>
+              <a:t> </a:t>
+            </a:r>
+            <a:r>
+              <a:rPr lang="en-US" dirty="0" smtClean="0"/>
+              <a:t>is returned.</a:t>
             </a:r>
             <a:endParaRPr lang="en-US" dirty="0"/>
           </a:p>
@@ -3409,6 +3416,13 @@
   <p:clrMapOvr>
     <a:masterClrMapping/>
   </p:clrMapOvr>
+  <p:timing>
+    <p:tnLst>
+      <p:par>
+        <p:cTn id="1" dur="indefinite" restart="never" nodeType="tmRoot"/>
+      </p:par>
+    </p:tnLst>
+  </p:timing>
 </p:sld>
 </file>
 
@@ -3487,6 +3501,13 @@
   <p:clrMapOvr>
     <a:masterClrMapping/>
   </p:clrMapOvr>
+  <p:timing>
+    <p:tnLst>
+      <p:par>
+        <p:cTn id="1" dur="indefinite" restart="never" nodeType="tmRoot"/>
+      </p:par>
+    </p:tnLst>
+  </p:timing>
 </p:sld>
 </file>
 
